--- a/lectures/Lec12.pptx
+++ b/lectures/Lec12.pptx
@@ -6553,8 +6553,8 @@
         </p:nvSpPr>
         <p:spPr>
           <a:xfrm>
-            <a:off x="6814687" y="3431406"/>
-            <a:ext cx="5139890" cy="2677656"/>
+            <a:off x="7052110" y="2622884"/>
+            <a:ext cx="5139890" cy="3046988"/>
           </a:xfrm>
           <a:prstGeom prst="rect">
             <a:avLst/>
@@ -6568,10 +6568,28 @@
           <a:lstStyle/>
           <a:p>
             <a:r>
+              <a:rPr lang="en-US" sz="2400" b="1" dirty="0">
+                <a:solidFill>
+                  <a:schemeClr val="bg2"/>
+                </a:solidFill>
+              </a:rPr>
+              <a:t>Traditional:</a:t>
+            </a:r>
+            <a:endParaRPr lang="en-US" sz="2400" dirty="0">
+              <a:solidFill>
+                <a:schemeClr val="bg1"/>
+              </a:solidFill>
+            </a:endParaRPr>
+          </a:p>
+          <a:p>
+            <a:r>
               <a:rPr lang="en-US" sz="2400" i="1" dirty="0" err="1">
                 <a:solidFill>
                   <a:schemeClr val="bg2"/>
                 </a:solidFill>
+                <a:highlight>
+                  <a:srgbClr val="C0C0C0"/>
+                </a:highlight>
               </a:rPr>
               <a:t>data_list</a:t>
             </a:r>
@@ -6580,6 +6598,9 @@
                 <a:solidFill>
                   <a:schemeClr val="bg2"/>
                 </a:solidFill>
+                <a:highlight>
+                  <a:srgbClr val="C0C0C0"/>
+                </a:highlight>
               </a:rPr>
               <a:t> = [1, 2, 2, 3]</a:t>
             </a:r>
@@ -6590,6 +6611,9 @@
                 <a:solidFill>
                   <a:schemeClr val="bg2"/>
                 </a:solidFill>
+                <a:highlight>
+                  <a:srgbClr val="C0C0C0"/>
+                </a:highlight>
               </a:rPr>
               <a:t>unique_squares</a:t>
             </a:r>
@@ -6598,6 +6622,9 @@
                 <a:solidFill>
                   <a:schemeClr val="bg2"/>
                 </a:solidFill>
+                <a:highlight>
+                  <a:srgbClr val="C0C0C0"/>
+                </a:highlight>
               </a:rPr>
               <a:t> = set()</a:t>
             </a:r>
@@ -6608,6 +6635,9 @@
                 <a:solidFill>
                   <a:schemeClr val="bg2"/>
                 </a:solidFill>
+                <a:highlight>
+                  <a:srgbClr val="C0C0C0"/>
+                </a:highlight>
               </a:rPr>
               <a:t>for x in </a:t>
             </a:r>
@@ -6616,6 +6646,9 @@
                 <a:solidFill>
                   <a:schemeClr val="bg2"/>
                 </a:solidFill>
+                <a:highlight>
+                  <a:srgbClr val="C0C0C0"/>
+                </a:highlight>
               </a:rPr>
               <a:t>data_list</a:t>
             </a:r>
@@ -6624,6 +6657,9 @@
                 <a:solidFill>
                   <a:schemeClr val="bg2"/>
                 </a:solidFill>
+                <a:highlight>
+                  <a:srgbClr val="C0C0C0"/>
+                </a:highlight>
               </a:rPr>
               <a:t>:</a:t>
             </a:r>
@@ -6634,6 +6670,9 @@
                 <a:solidFill>
                   <a:schemeClr val="bg2"/>
                 </a:solidFill>
+                <a:highlight>
+                  <a:srgbClr val="C0C0C0"/>
+                </a:highlight>
               </a:rPr>
               <a:t>	</a:t>
             </a:r>
@@ -6642,6 +6681,9 @@
                 <a:solidFill>
                   <a:schemeClr val="bg2"/>
                 </a:solidFill>
+                <a:highlight>
+                  <a:srgbClr val="C0C0C0"/>
+                </a:highlight>
               </a:rPr>
               <a:t>squared_value</a:t>
             </a:r>
@@ -6650,6 +6692,9 @@
                 <a:solidFill>
                   <a:schemeClr val="bg2"/>
                 </a:solidFill>
+                <a:highlight>
+                  <a:srgbClr val="C0C0C0"/>
+                </a:highlight>
               </a:rPr>
               <a:t> = x ** 2</a:t>
             </a:r>
@@ -6660,6 +6705,9 @@
                 <a:solidFill>
                   <a:schemeClr val="bg2"/>
                 </a:solidFill>
+                <a:highlight>
+                  <a:srgbClr val="C0C0C0"/>
+                </a:highlight>
               </a:rPr>
               <a:t>	</a:t>
             </a:r>
@@ -6668,6 +6716,9 @@
                 <a:solidFill>
                   <a:schemeClr val="bg2"/>
                 </a:solidFill>
+                <a:highlight>
+                  <a:srgbClr val="C0C0C0"/>
+                </a:highlight>
               </a:rPr>
               <a:t>unique_squares.add</a:t>
             </a:r>
@@ -6676,6 +6727,9 @@
                 <a:solidFill>
                   <a:schemeClr val="bg2"/>
                 </a:solidFill>
+                <a:highlight>
+                  <a:srgbClr val="C0C0C0"/>
+                </a:highlight>
               </a:rPr>
               <a:t>(</a:t>
             </a:r>
@@ -6684,6 +6738,9 @@
                 <a:solidFill>
                   <a:schemeClr val="bg2"/>
                 </a:solidFill>
+                <a:highlight>
+                  <a:srgbClr val="C0C0C0"/>
+                </a:highlight>
               </a:rPr>
               <a:t>squared_value</a:t>
             </a:r>
@@ -6692,6 +6749,9 @@
                 <a:solidFill>
                   <a:schemeClr val="bg2"/>
                 </a:solidFill>
+                <a:highlight>
+                  <a:srgbClr val="C0C0C0"/>
+                </a:highlight>
               </a:rPr>
               <a:t>)</a:t>
             </a:r>
@@ -6701,6 +6761,9 @@
               <a:solidFill>
                 <a:schemeClr val="bg2"/>
               </a:solidFill>
+              <a:highlight>
+                <a:srgbClr val="C0C0C0"/>
+              </a:highlight>
             </a:endParaRPr>
           </a:p>
           <a:p>
@@ -6709,6 +6772,9 @@
                 <a:solidFill>
                   <a:schemeClr val="bg2"/>
                 </a:solidFill>
+                <a:highlight>
+                  <a:srgbClr val="C0C0C0"/>
+                </a:highlight>
               </a:rPr>
               <a:t>print(</a:t>
             </a:r>
@@ -6717,6 +6783,9 @@
                 <a:solidFill>
                   <a:schemeClr val="bg2"/>
                 </a:solidFill>
+                <a:highlight>
+                  <a:srgbClr val="C0C0C0"/>
+                </a:highlight>
               </a:rPr>
               <a:t>unique_squares</a:t>
             </a:r>
@@ -6725,6 +6794,9 @@
                 <a:solidFill>
                   <a:schemeClr val="bg2"/>
                 </a:solidFill>
+                <a:highlight>
+                  <a:srgbClr val="C0C0C0"/>
+                </a:highlight>
               </a:rPr>
               <a:t>)</a:t>
             </a:r>
@@ -7007,8 +7079,8 @@
         </p:nvSpPr>
         <p:spPr>
           <a:xfrm>
-            <a:off x="988451" y="3740993"/>
-            <a:ext cx="6278623" cy="2523768"/>
+            <a:off x="577374" y="3897977"/>
+            <a:ext cx="4392071" cy="2554545"/>
           </a:xfrm>
           <a:prstGeom prst="rect">
             <a:avLst/>
@@ -7024,11 +7096,16 @@
             <a:r>
               <a:rPr lang="en-US" b="1" dirty="0">
                 <a:solidFill>
-                  <a:schemeClr val="bg1"/>
-                </a:solidFill>
-              </a:rPr>
-              <a:t>Example:</a:t>
-            </a:r>
+                  <a:schemeClr val="bg2"/>
+                </a:solidFill>
+              </a:rPr>
+              <a:t>Traditional:</a:t>
+            </a:r>
+            <a:endParaRPr lang="en-US" dirty="0">
+              <a:solidFill>
+                <a:schemeClr val="bg1"/>
+              </a:solidFill>
+            </a:endParaRPr>
           </a:p>
           <a:p>
             <a:r>
@@ -8088,8 +8165,44 @@
         </p:blipFill>
         <p:spPr>
           <a:xfrm>
-            <a:off x="6707704" y="2656822"/>
+            <a:off x="7025338" y="3977263"/>
             <a:ext cx="4656703" cy="2640882"/>
+          </a:xfrm>
+          <a:prstGeom prst="rect">
+            <a:avLst/>
+          </a:prstGeom>
+        </p:spPr>
+      </p:pic>
+      <p:pic>
+        <p:nvPicPr>
+          <p:cNvPr id="8" name="Picture 7">
+            <a:extLst>
+              <a:ext uri="{FF2B5EF4-FFF2-40B4-BE49-F238E27FC236}">
+                <a16:creationId xmlns:a16="http://schemas.microsoft.com/office/drawing/2014/main" id="{3C3A2A9A-6781-2F70-ECF7-D004D8D8354D}"/>
+              </a:ext>
+            </a:extLst>
+          </p:cNvPr>
+          <p:cNvPicPr>
+            <a:picLocks noChangeAspect="1"/>
+          </p:cNvPicPr>
+          <p:nvPr/>
+        </p:nvPicPr>
+        <p:blipFill>
+          <a:blip r:embed="rId3">
+            <a:extLst>
+              <a:ext uri="{28A0092B-C50C-407E-A947-70E740481C1C}">
+                <a14:useLocalDpi xmlns:a14="http://schemas.microsoft.com/office/drawing/2010/main" val="0"/>
+              </a:ext>
+            </a:extLst>
+          </a:blip>
+          <a:stretch>
+            <a:fillRect/>
+          </a:stretch>
+        </p:blipFill>
+        <p:spPr>
+          <a:xfrm>
+            <a:off x="7605851" y="2468529"/>
+            <a:ext cx="3495675" cy="1304925"/>
           </a:xfrm>
           <a:prstGeom prst="rect">
             <a:avLst/>
@@ -9060,7 +9173,7 @@
         </p:nvSpPr>
         <p:spPr>
           <a:xfrm>
-            <a:off x="410935" y="1992104"/>
+            <a:off x="372434" y="1414588"/>
             <a:ext cx="7404779" cy="2308324"/>
           </a:xfrm>
           <a:prstGeom prst="rect">
@@ -9164,6 +9277,9 @@
                 <a:solidFill>
                   <a:schemeClr val="bg2"/>
                 </a:solidFill>
+                <a:highlight>
+                  <a:srgbClr val="C0C0C0"/>
+                </a:highlight>
               </a:rPr>
               <a:t>numbers = [n if n % 2 == 0 else "Odd" for n in range(5)]</a:t>
             </a:r>
@@ -9191,8 +9307,8 @@
         </p:nvSpPr>
         <p:spPr>
           <a:xfrm>
-            <a:off x="8369423" y="3146266"/>
-            <a:ext cx="3912412" cy="3416320"/>
+            <a:off x="1833869" y="3588052"/>
+            <a:ext cx="3912412" cy="3170099"/>
           </a:xfrm>
           <a:prstGeom prst="rect">
             <a:avLst/>
@@ -9206,16 +9322,14 @@
           <a:lstStyle/>
           <a:p>
             <a:r>
-              <a:rPr lang="en-US" sz="2400" dirty="0">
-                <a:solidFill>
-                  <a:schemeClr val="bg1"/>
-                </a:solidFill>
-              </a:rPr>
-              <a:t>numbers = []</a:t>
-            </a:r>
-          </a:p>
-          <a:p>
-            <a:endParaRPr lang="en-US" sz="2400" dirty="0">
+              <a:rPr lang="en-US" sz="2000" b="1" dirty="0">
+                <a:solidFill>
+                  <a:schemeClr val="bg2"/>
+                </a:solidFill>
+              </a:rPr>
+              <a:t>Traditional:</a:t>
+            </a:r>
+            <a:endParaRPr lang="en-US" sz="2000" dirty="0">
               <a:solidFill>
                 <a:schemeClr val="bg1"/>
               </a:solidFill>
@@ -9223,104 +9337,163 @@
           </a:p>
           <a:p>
             <a:r>
-              <a:rPr lang="en-US" sz="2400" dirty="0">
+              <a:rPr lang="en-US" sz="2000" dirty="0">
                 <a:solidFill>
                   <a:schemeClr val="bg1"/>
                 </a:solidFill>
-              </a:rPr>
-              <a:t>for n in range(5):</a:t>
-            </a:r>
-          </a:p>
-          <a:p>
-            <a:r>
-              <a:rPr lang="en-US" sz="2400" dirty="0">
-                <a:solidFill>
-                  <a:schemeClr val="bg1"/>
-                </a:solidFill>
-              </a:rPr>
-              <a:t>    if n % 2 == 0:</a:t>
-            </a:r>
-          </a:p>
-          <a:p>
-            <a:r>
-              <a:rPr lang="en-US" sz="2400" dirty="0">
-                <a:solidFill>
-                  <a:schemeClr val="bg1"/>
-                </a:solidFill>
-              </a:rPr>
-              <a:t>        </a:t>
-            </a:r>
-            <a:r>
-              <a:rPr lang="en-US" sz="2400" dirty="0" err="1">
-                <a:solidFill>
-                  <a:schemeClr val="bg1"/>
-                </a:solidFill>
-              </a:rPr>
-              <a:t>numbers.append</a:t>
-            </a:r>
-            <a:r>
-              <a:rPr lang="en-US" sz="2400" dirty="0">
-                <a:solidFill>
-                  <a:schemeClr val="bg1"/>
-                </a:solidFill>
-              </a:rPr>
-              <a:t>(n)</a:t>
-            </a:r>
-          </a:p>
-          <a:p>
-            <a:r>
-              <a:rPr lang="en-US" sz="2400" dirty="0">
-                <a:solidFill>
-                  <a:schemeClr val="bg1"/>
-                </a:solidFill>
-              </a:rPr>
-              <a:t>    else:</a:t>
-            </a:r>
-          </a:p>
-          <a:p>
-            <a:r>
-              <a:rPr lang="en-US" sz="2400" dirty="0">
-                <a:solidFill>
-                  <a:schemeClr val="bg1"/>
-                </a:solidFill>
-              </a:rPr>
-              <a:t>        </a:t>
-            </a:r>
-            <a:r>
-              <a:rPr lang="en-US" sz="2400" dirty="0" err="1">
-                <a:solidFill>
-                  <a:schemeClr val="bg1"/>
-                </a:solidFill>
-              </a:rPr>
-              <a:t>numbers.append</a:t>
-            </a:r>
-            <a:r>
-              <a:rPr lang="en-US" sz="2400" dirty="0">
-                <a:solidFill>
-                  <a:schemeClr val="bg1"/>
-                </a:solidFill>
-              </a:rPr>
-              <a:t>("Odd")</a:t>
-            </a:r>
-            <a:br>
-              <a:rPr lang="en-US" sz="2400" dirty="0">
-                <a:solidFill>
-                  <a:schemeClr val="bg1"/>
-                </a:solidFill>
-              </a:rPr>
-            </a:br>
-            <a:endParaRPr lang="en-US" sz="2400" dirty="0">
+                <a:highlight>
+                  <a:srgbClr val="C0C0C0"/>
+                </a:highlight>
+              </a:rPr>
+              <a:t>numbers = []</a:t>
+            </a:r>
+          </a:p>
+          <a:p>
+            <a:endParaRPr lang="en-US" sz="2000" dirty="0">
               <a:solidFill>
                 <a:schemeClr val="bg1"/>
               </a:solidFill>
+              <a:highlight>
+                <a:srgbClr val="C0C0C0"/>
+              </a:highlight>
             </a:endParaRPr>
           </a:p>
           <a:p>
             <a:r>
-              <a:rPr lang="en-US" sz="2400" dirty="0">
+              <a:rPr lang="en-US" sz="2000" dirty="0">
                 <a:solidFill>
                   <a:schemeClr val="bg1"/>
                 </a:solidFill>
+                <a:highlight>
+                  <a:srgbClr val="C0C0C0"/>
+                </a:highlight>
+              </a:rPr>
+              <a:t>for n in range(5):</a:t>
+            </a:r>
+          </a:p>
+          <a:p>
+            <a:r>
+              <a:rPr lang="en-US" sz="2000" dirty="0">
+                <a:solidFill>
+                  <a:schemeClr val="bg1"/>
+                </a:solidFill>
+                <a:highlight>
+                  <a:srgbClr val="C0C0C0"/>
+                </a:highlight>
+              </a:rPr>
+              <a:t>    if n % 2 == 0:</a:t>
+            </a:r>
+          </a:p>
+          <a:p>
+            <a:r>
+              <a:rPr lang="en-US" sz="2000" dirty="0">
+                <a:solidFill>
+                  <a:schemeClr val="bg1"/>
+                </a:solidFill>
+                <a:highlight>
+                  <a:srgbClr val="C0C0C0"/>
+                </a:highlight>
+              </a:rPr>
+              <a:t>        </a:t>
+            </a:r>
+            <a:r>
+              <a:rPr lang="en-US" sz="2000" dirty="0" err="1">
+                <a:solidFill>
+                  <a:schemeClr val="bg1"/>
+                </a:solidFill>
+                <a:highlight>
+                  <a:srgbClr val="C0C0C0"/>
+                </a:highlight>
+              </a:rPr>
+              <a:t>numbers.append</a:t>
+            </a:r>
+            <a:r>
+              <a:rPr lang="en-US" sz="2000" dirty="0">
+                <a:solidFill>
+                  <a:schemeClr val="bg1"/>
+                </a:solidFill>
+                <a:highlight>
+                  <a:srgbClr val="C0C0C0"/>
+                </a:highlight>
+              </a:rPr>
+              <a:t>(n)</a:t>
+            </a:r>
+          </a:p>
+          <a:p>
+            <a:r>
+              <a:rPr lang="en-US" sz="2000" dirty="0">
+                <a:solidFill>
+                  <a:schemeClr val="bg1"/>
+                </a:solidFill>
+                <a:highlight>
+                  <a:srgbClr val="C0C0C0"/>
+                </a:highlight>
+              </a:rPr>
+              <a:t>    else:</a:t>
+            </a:r>
+          </a:p>
+          <a:p>
+            <a:r>
+              <a:rPr lang="en-US" sz="2000" dirty="0">
+                <a:solidFill>
+                  <a:schemeClr val="bg1"/>
+                </a:solidFill>
+                <a:highlight>
+                  <a:srgbClr val="C0C0C0"/>
+                </a:highlight>
+              </a:rPr>
+              <a:t>        </a:t>
+            </a:r>
+            <a:r>
+              <a:rPr lang="en-US" sz="2000" dirty="0" err="1">
+                <a:solidFill>
+                  <a:schemeClr val="bg1"/>
+                </a:solidFill>
+                <a:highlight>
+                  <a:srgbClr val="C0C0C0"/>
+                </a:highlight>
+              </a:rPr>
+              <a:t>numbers.append</a:t>
+            </a:r>
+            <a:r>
+              <a:rPr lang="en-US" sz="2000" dirty="0">
+                <a:solidFill>
+                  <a:schemeClr val="bg1"/>
+                </a:solidFill>
+                <a:highlight>
+                  <a:srgbClr val="C0C0C0"/>
+                </a:highlight>
+              </a:rPr>
+              <a:t>("Odd")</a:t>
+            </a:r>
+            <a:br>
+              <a:rPr lang="en-US" sz="2000" dirty="0">
+                <a:solidFill>
+                  <a:schemeClr val="bg1"/>
+                </a:solidFill>
+                <a:highlight>
+                  <a:srgbClr val="C0C0C0"/>
+                </a:highlight>
+              </a:rPr>
+            </a:br>
+            <a:endParaRPr lang="en-US" sz="2000" dirty="0">
+              <a:solidFill>
+                <a:schemeClr val="bg1"/>
+              </a:solidFill>
+              <a:highlight>
+                <a:srgbClr val="C0C0C0"/>
+              </a:highlight>
+            </a:endParaRPr>
+          </a:p>
+          <a:p>
+            <a:r>
+              <a:rPr lang="en-US" sz="2000" dirty="0">
+                <a:solidFill>
+                  <a:schemeClr val="bg1"/>
+                </a:solidFill>
+                <a:highlight>
+                  <a:srgbClr val="C0C0C0"/>
+                </a:highlight>
               </a:rPr>
               <a:t>print(numbers)</a:t>
             </a:r>
@@ -9426,7 +9599,7 @@
         <p:spPr>
           <a:xfrm>
             <a:off x="410935" y="1992104"/>
-            <a:ext cx="8742689" cy="2677656"/>
+            <a:ext cx="8742689" cy="1815882"/>
           </a:xfrm>
           <a:prstGeom prst="rect">
             <a:avLst/>
@@ -9446,23 +9619,6 @@
                 </a:solidFill>
               </a:rPr>
               <a:t>Example</a:t>
-            </a:r>
-          </a:p>
-          <a:p>
-            <a:endParaRPr lang="en-US" sz="2800" b="1" dirty="0">
-              <a:solidFill>
-                <a:schemeClr val="bg2"/>
-              </a:solidFill>
-            </a:endParaRPr>
-          </a:p>
-          <a:p>
-            <a:r>
-              <a:rPr lang="en-US" sz="2800" b="1" dirty="0">
-                <a:solidFill>
-                  <a:schemeClr val="bg2"/>
-                </a:solidFill>
-              </a:rPr>
-              <a:t>Flattening a matrix</a:t>
             </a:r>
           </a:p>
           <a:p>
@@ -9508,8 +9664,8 @@
         </p:nvSpPr>
         <p:spPr>
           <a:xfrm>
-            <a:off x="7830152" y="2880360"/>
-            <a:ext cx="3950913" cy="2554545"/>
+            <a:off x="1631482" y="3857099"/>
+            <a:ext cx="3950913" cy="2923877"/>
           </a:xfrm>
           <a:prstGeom prst="rect">
             <a:avLst/>
@@ -9523,10 +9679,36 @@
           <a:lstStyle/>
           <a:p>
             <a:r>
+              <a:rPr lang="en-US" sz="2400" b="1" dirty="0">
+                <a:solidFill>
+                  <a:schemeClr val="bg2"/>
+                </a:solidFill>
+              </a:rPr>
+              <a:t>Traditional</a:t>
+            </a:r>
+            <a:r>
+              <a:rPr lang="en-US" sz="2000" b="1" dirty="0">
+                <a:solidFill>
+                  <a:schemeClr val="bg2"/>
+                </a:solidFill>
+              </a:rPr>
+              <a:t>:</a:t>
+            </a:r>
+            <a:endParaRPr lang="en-US" sz="2000" dirty="0">
+              <a:solidFill>
+                <a:schemeClr val="bg1"/>
+              </a:solidFill>
+            </a:endParaRPr>
+          </a:p>
+          <a:p>
+            <a:r>
               <a:rPr lang="en-US" sz="2000" dirty="0">
                 <a:solidFill>
                   <a:schemeClr val="bg1"/>
                 </a:solidFill>
+                <a:highlight>
+                  <a:srgbClr val="C0C0C0"/>
+                </a:highlight>
               </a:rPr>
               <a:t>matrix = [[1, 2, 3], [4, 5, 6], [7, 8, 9]]</a:t>
             </a:r>
@@ -9537,6 +9719,9 @@
                 <a:solidFill>
                   <a:schemeClr val="bg1"/>
                 </a:solidFill>
+                <a:highlight>
+                  <a:srgbClr val="C0C0C0"/>
+                </a:highlight>
               </a:rPr>
               <a:t>flat = []</a:t>
             </a:r>
@@ -9547,6 +9732,9 @@
                 <a:solidFill>
                   <a:schemeClr val="bg1"/>
                 </a:solidFill>
+                <a:highlight>
+                  <a:srgbClr val="C0C0C0"/>
+                </a:highlight>
               </a:rPr>
             </a:br>
             <a:r>
@@ -9554,6 +9742,9 @@
                 <a:solidFill>
                   <a:schemeClr val="bg1"/>
                 </a:solidFill>
+                <a:highlight>
+                  <a:srgbClr val="C0C0C0"/>
+                </a:highlight>
               </a:rPr>
               <a:t>for row in matrix:</a:t>
             </a:r>
@@ -9564,6 +9755,9 @@
                 <a:solidFill>
                   <a:schemeClr val="bg1"/>
                 </a:solidFill>
+                <a:highlight>
+                  <a:srgbClr val="C0C0C0"/>
+                </a:highlight>
               </a:rPr>
               <a:t>    for num in row:</a:t>
             </a:r>
@@ -9574,6 +9768,9 @@
                 <a:solidFill>
                   <a:schemeClr val="bg1"/>
                 </a:solidFill>
+                <a:highlight>
+                  <a:srgbClr val="C0C0C0"/>
+                </a:highlight>
               </a:rPr>
               <a:t>        </a:t>
             </a:r>
@@ -9582,6 +9779,9 @@
                 <a:solidFill>
                   <a:schemeClr val="bg1"/>
                 </a:solidFill>
+                <a:highlight>
+                  <a:srgbClr val="C0C0C0"/>
+                </a:highlight>
               </a:rPr>
               <a:t>flat.append</a:t>
             </a:r>
@@ -9590,6 +9790,9 @@
                 <a:solidFill>
                   <a:schemeClr val="bg1"/>
                 </a:solidFill>
+                <a:highlight>
+                  <a:srgbClr val="C0C0C0"/>
+                </a:highlight>
               </a:rPr>
               <a:t>(num)</a:t>
             </a:r>
@@ -9600,6 +9803,9 @@
                 <a:solidFill>
                   <a:schemeClr val="bg1"/>
                 </a:solidFill>
+                <a:highlight>
+                  <a:srgbClr val="C0C0C0"/>
+                </a:highlight>
               </a:rPr>
             </a:br>
             <a:r>
@@ -9607,12 +9813,51 @@
                 <a:solidFill>
                   <a:schemeClr val="bg1"/>
                 </a:solidFill>
+                <a:highlight>
+                  <a:srgbClr val="C0C0C0"/>
+                </a:highlight>
               </a:rPr>
               <a:t>print(flat)</a:t>
             </a:r>
           </a:p>
         </p:txBody>
       </p:sp>
+      <p:pic>
+        <p:nvPicPr>
+          <p:cNvPr id="5" name="Picture 4">
+            <a:extLst>
+              <a:ext uri="{FF2B5EF4-FFF2-40B4-BE49-F238E27FC236}">
+                <a16:creationId xmlns:a16="http://schemas.microsoft.com/office/drawing/2014/main" id="{0FD7E126-3513-D822-A85C-7638F74E66DF}"/>
+              </a:ext>
+            </a:extLst>
+          </p:cNvPr>
+          <p:cNvPicPr>
+            <a:picLocks noChangeAspect="1"/>
+          </p:cNvPicPr>
+          <p:nvPr/>
+        </p:nvPicPr>
+        <p:blipFill>
+          <a:blip r:embed="rId2">
+            <a:extLst>
+              <a:ext uri="{28A0092B-C50C-407E-A947-70E740481C1C}">
+                <a14:useLocalDpi xmlns:a14="http://schemas.microsoft.com/office/drawing/2010/main" val="0"/>
+              </a:ext>
+            </a:extLst>
+          </a:blip>
+          <a:stretch>
+            <a:fillRect/>
+          </a:stretch>
+        </p:blipFill>
+        <p:spPr>
+          <a:xfrm>
+            <a:off x="7024142" y="3538638"/>
+            <a:ext cx="4258963" cy="2477152"/>
+          </a:xfrm>
+          <a:prstGeom prst="rect">
+            <a:avLst/>
+          </a:prstGeom>
+        </p:spPr>
+      </p:pic>
     </p:spTree>
     <p:extLst>
       <p:ext uri="{BB962C8B-B14F-4D97-AF65-F5344CB8AC3E}">
@@ -9770,8 +10015,8 @@
         </p:nvSpPr>
         <p:spPr>
           <a:xfrm>
-            <a:off x="7339520" y="3982930"/>
-            <a:ext cx="4538055" cy="2677656"/>
+            <a:off x="2979276" y="3811012"/>
+            <a:ext cx="4538055" cy="3046988"/>
           </a:xfrm>
           <a:prstGeom prst="rect">
             <a:avLst/>
@@ -9783,6 +10028,21 @@
             <a:spAutoFit/>
           </a:bodyPr>
           <a:lstStyle/>
+          <a:p>
+            <a:r>
+              <a:rPr lang="en-US" sz="2400" b="1" dirty="0">
+                <a:solidFill>
+                  <a:schemeClr val="bg2"/>
+                </a:solidFill>
+              </a:rPr>
+              <a:t>Traditional:</a:t>
+            </a:r>
+            <a:endParaRPr lang="en-US" sz="2400" dirty="0">
+              <a:solidFill>
+                <a:schemeClr val="bg1"/>
+              </a:solidFill>
+            </a:endParaRPr>
+          </a:p>
           <a:p>
             <a:r>
               <a:rPr lang="en-US" sz="2400" i="1" dirty="0">
@@ -10065,8 +10325,8 @@
         </p:nvSpPr>
         <p:spPr>
           <a:xfrm>
-            <a:off x="6617369" y="2337009"/>
-            <a:ext cx="5163696" cy="3785652"/>
+            <a:off x="6752123" y="1836495"/>
+            <a:ext cx="5163696" cy="4154984"/>
           </a:xfrm>
           <a:prstGeom prst="rect">
             <a:avLst/>
@@ -10080,10 +10340,28 @@
           <a:lstStyle/>
           <a:p>
             <a:r>
+              <a:rPr lang="en-US" sz="2400" b="1" dirty="0">
+                <a:solidFill>
+                  <a:schemeClr val="bg2"/>
+                </a:solidFill>
+              </a:rPr>
+              <a:t>Traditional:</a:t>
+            </a:r>
+            <a:endParaRPr lang="en-US" sz="2400" dirty="0">
+              <a:solidFill>
+                <a:schemeClr val="bg1"/>
+              </a:solidFill>
+            </a:endParaRPr>
+          </a:p>
+          <a:p>
+            <a:r>
               <a:rPr lang="en-US" sz="2400" dirty="0">
                 <a:solidFill>
                   <a:schemeClr val="bg2"/>
                 </a:solidFill>
+                <a:highlight>
+                  <a:srgbClr val="C0C0C0"/>
+                </a:highlight>
               </a:rPr>
               <a:t>def square(n):</a:t>
             </a:r>
@@ -10094,6 +10372,9 @@
                 <a:solidFill>
                   <a:schemeClr val="bg2"/>
                 </a:solidFill>
+                <a:highlight>
+                  <a:srgbClr val="C0C0C0"/>
+                </a:highlight>
               </a:rPr>
               <a:t>    return n * n</a:t>
             </a:r>
@@ -10103,6 +10384,9 @@
               <a:solidFill>
                 <a:schemeClr val="bg2"/>
               </a:solidFill>
+              <a:highlight>
+                <a:srgbClr val="C0C0C0"/>
+              </a:highlight>
             </a:endParaRPr>
           </a:p>
           <a:p>
@@ -10111,6 +10395,9 @@
                 <a:solidFill>
                   <a:schemeClr val="bg2"/>
                 </a:solidFill>
+                <a:highlight>
+                  <a:srgbClr val="C0C0C0"/>
+                </a:highlight>
               </a:rPr>
               <a:t>squares = []</a:t>
             </a:r>
@@ -10120,6 +10407,9 @@
               <a:solidFill>
                 <a:schemeClr val="bg2"/>
               </a:solidFill>
+              <a:highlight>
+                <a:srgbClr val="C0C0C0"/>
+              </a:highlight>
             </a:endParaRPr>
           </a:p>
           <a:p>
@@ -10128,6 +10418,9 @@
                 <a:solidFill>
                   <a:schemeClr val="bg2"/>
                 </a:solidFill>
+                <a:highlight>
+                  <a:srgbClr val="C0C0C0"/>
+                </a:highlight>
               </a:rPr>
               <a:t>for x in range(5):</a:t>
             </a:r>
@@ -10138,6 +10431,9 @@
                 <a:solidFill>
                   <a:schemeClr val="bg2"/>
                 </a:solidFill>
+                <a:highlight>
+                  <a:srgbClr val="C0C0C0"/>
+                </a:highlight>
               </a:rPr>
               <a:t>	result = square(x)</a:t>
             </a:r>
@@ -10148,6 +10444,9 @@
                 <a:solidFill>
                   <a:schemeClr val="bg2"/>
                 </a:solidFill>
+                <a:highlight>
+                  <a:srgbClr val="C0C0C0"/>
+                </a:highlight>
               </a:rPr>
               <a:t>	</a:t>
             </a:r>
@@ -10156,6 +10455,9 @@
                 <a:solidFill>
                   <a:schemeClr val="bg2"/>
                 </a:solidFill>
+                <a:highlight>
+                  <a:srgbClr val="C0C0C0"/>
+                </a:highlight>
               </a:rPr>
               <a:t>squares.append</a:t>
             </a:r>
@@ -10164,6 +10466,9 @@
                 <a:solidFill>
                   <a:schemeClr val="bg2"/>
                 </a:solidFill>
+                <a:highlight>
+                  <a:srgbClr val="C0C0C0"/>
+                </a:highlight>
               </a:rPr>
               <a:t>(result)</a:t>
             </a:r>
@@ -10173,6 +10478,9 @@
               <a:solidFill>
                 <a:schemeClr val="bg2"/>
               </a:solidFill>
+              <a:highlight>
+                <a:srgbClr val="C0C0C0"/>
+              </a:highlight>
             </a:endParaRPr>
           </a:p>
           <a:p>
@@ -10181,6 +10489,9 @@
                 <a:solidFill>
                   <a:schemeClr val="bg2"/>
                 </a:solidFill>
+                <a:highlight>
+                  <a:srgbClr val="C0C0C0"/>
+                </a:highlight>
               </a:rPr>
               <a:t>print(squares)</a:t>
             </a:r>
@@ -10188,6 +10499,9 @@
               <a:solidFill>
                 <a:schemeClr val="bg2"/>
               </a:solidFill>
+              <a:highlight>
+                <a:srgbClr val="C0C0C0"/>
+              </a:highlight>
             </a:endParaRPr>
           </a:p>
         </p:txBody>
